--- a/sessions/08. Cierre/monkeyconf-cierre.pptx
+++ b/sessions/08. Cierre/monkeyconf-cierre.pptx
@@ -2586,7 +2586,7 @@
               <a:t>Conf</a:t>
             </a:r>
             <a:r>
-              <a:rPr lang="es-ES" sz="1600" dirty="0">
+              <a:rPr lang="es-ES" sz="1600">
                 <a:solidFill>
                   <a:srgbClr val="FFFFFF"/>
                 </a:solidFill>
@@ -2595,7 +2595,7 @@
                 <a:cs typeface="Segoe UI" panose="020B0502040204020203" pitchFamily="34" charset="0"/>
                 <a:sym typeface="Roboto"/>
               </a:rPr>
-              <a:t> 2022</a:t>
+              <a:t> 2023</a:t>
             </a:r>
             <a:endParaRPr lang="en" sz="3800" dirty="0">
               <a:solidFill>
